--- a/Presentation.pptx
+++ b/Presentation.pptx
@@ -4818,7 +4818,7 @@
         <a:p>
           <a:r>
             <a:rPr lang="en-US" dirty="0"/>
-            <a:t>Data Set – add picture </a:t>
+            <a:t>Static Analysis </a:t>
           </a:r>
         </a:p>
       </dgm:t>
@@ -4854,7 +4854,7 @@
         <a:p>
           <a:r>
             <a:rPr lang="en-US" dirty="0"/>
-            <a:t>Static Analysis</a:t>
+            <a:t>Data Set </a:t>
           </a:r>
         </a:p>
       </dgm:t>
@@ -4889,8 +4889,8 @@
         <a:lstStyle/>
         <a:p>
           <a:r>
-            <a:rPr lang="en-US"/>
-            <a:t>Types of detections</a:t>
+            <a:rPr lang="en-US" dirty="0"/>
+            <a:t>weak spots</a:t>
           </a:r>
         </a:p>
       </dgm:t>
@@ -4926,7 +4926,7 @@
         <a:p>
           <a:r>
             <a:rPr lang="en-US" dirty="0"/>
-            <a:t>weak spots</a:t>
+            <a:t>Ways to exploit those weak spots.</a:t>
           </a:r>
         </a:p>
       </dgm:t>
@@ -4962,7 +4962,7 @@
         <a:p>
           <a:r>
             <a:rPr lang="en-US" dirty="0"/>
-            <a:t> Ways to exploit those weak spots.</a:t>
+            <a:t> </a:t>
           </a:r>
         </a:p>
       </dgm:t>
@@ -7220,7 +7220,7 @@
           </a:pPr>
           <a:r>
             <a:rPr lang="en-US" sz="2700" kern="1200" dirty="0"/>
-            <a:t>Data Set – add picture </a:t>
+            <a:t>Static Analysis </a:t>
           </a:r>
         </a:p>
       </dsp:txBody>
@@ -7330,7 +7330,7 @@
           </a:pPr>
           <a:r>
             <a:rPr lang="en-US" sz="2700" kern="1200" dirty="0"/>
-            <a:t>Static Analysis</a:t>
+            <a:t>Data Set </a:t>
           </a:r>
         </a:p>
       </dsp:txBody>
@@ -7439,8 +7439,8 @@
             <a:buNone/>
           </a:pPr>
           <a:r>
-            <a:rPr lang="en-US" sz="2700" kern="1200"/>
-            <a:t>Types of detections</a:t>
+            <a:rPr lang="en-US" sz="2700" kern="1200" dirty="0"/>
+            <a:t>weak spots</a:t>
           </a:r>
         </a:p>
       </dsp:txBody>
@@ -7550,7 +7550,7 @@
           </a:pPr>
           <a:r>
             <a:rPr lang="en-US" sz="2700" kern="1200" dirty="0"/>
-            <a:t>weak spots</a:t>
+            <a:t>Ways to exploit those weak spots.</a:t>
           </a:r>
         </a:p>
       </dsp:txBody>
@@ -7660,7 +7660,7 @@
           </a:pPr>
           <a:r>
             <a:rPr lang="en-US" sz="2700" kern="1200" dirty="0"/>
-            <a:t> Ways to exploit those weak spots.</a:t>
+            <a:t> </a:t>
           </a:r>
         </a:p>
       </dsp:txBody>
@@ -26115,7 +26115,7 @@
             <p:ph idx="1"/>
             <p:extLst>
               <p:ext uri="{D42A27DB-BD31-4B8C-83A1-F6EECF244321}">
-                <p14:modId xmlns:p14="http://schemas.microsoft.com/office/powerpoint/2010/main" val="2757017340"/>
+                <p14:modId xmlns:p14="http://schemas.microsoft.com/office/powerpoint/2010/main" val="1560215833"/>
               </p:ext>
             </p:extLst>
           </p:nvPr>
@@ -28666,6 +28666,41 @@
           </a:prstGeom>
         </p:spPr>
       </p:pic>
+      <p:sp>
+        <p:nvSpPr>
+          <p:cNvPr id="7" name="TextBox 6">
+            <a:extLst>
+              <a:ext uri="{FF2B5EF4-FFF2-40B4-BE49-F238E27FC236}">
+                <a16:creationId xmlns:a16="http://schemas.microsoft.com/office/drawing/2014/main" id="{63E3B57B-D5FD-DF92-56AF-FC38AE9B680C}"/>
+              </a:ext>
+            </a:extLst>
+          </p:cNvPr>
+          <p:cNvSpPr txBox="1"/>
+          <p:nvPr/>
+        </p:nvSpPr>
+        <p:spPr>
+          <a:xfrm>
+            <a:off x="6459430" y="2602468"/>
+            <a:ext cx="1727038" cy="369332"/>
+          </a:xfrm>
+          <a:prstGeom prst="rect">
+            <a:avLst/>
+          </a:prstGeom>
+          <a:noFill/>
+        </p:spPr>
+        <p:txBody>
+          <a:bodyPr wrap="square" rtlCol="0">
+            <a:spAutoFit/>
+          </a:bodyPr>
+          <a:lstStyle/>
+          <a:p>
+            <a:r>
+              <a:rPr lang="en-US" dirty="0"/>
+              <a:t>AddFeatures.py</a:t>
+            </a:r>
+          </a:p>
+        </p:txBody>
+      </p:sp>
     </p:spTree>
     <p:extLst>
       <p:ext uri="{BB962C8B-B14F-4D97-AF65-F5344CB8AC3E}">

--- a/Presentation.pptx
+++ b/Presentation.pptx
@@ -4818,7 +4818,7 @@
         <a:p>
           <a:r>
             <a:rPr lang="en-US" dirty="0"/>
-            <a:t>Static Analysis </a:t>
+            <a:t>Data Set – add picture </a:t>
           </a:r>
         </a:p>
       </dgm:t>
@@ -4854,7 +4854,7 @@
         <a:p>
           <a:r>
             <a:rPr lang="en-US" dirty="0"/>
-            <a:t>Data Set </a:t>
+            <a:t>Static Analysis</a:t>
           </a:r>
         </a:p>
       </dgm:t>
@@ -4889,8 +4889,8 @@
         <a:lstStyle/>
         <a:p>
           <a:r>
-            <a:rPr lang="en-US" dirty="0"/>
-            <a:t>weak spots</a:t>
+            <a:rPr lang="en-US"/>
+            <a:t>Types of detections</a:t>
           </a:r>
         </a:p>
       </dgm:t>
@@ -4926,7 +4926,7 @@
         <a:p>
           <a:r>
             <a:rPr lang="en-US" dirty="0"/>
-            <a:t>Ways to exploit those weak spots.</a:t>
+            <a:t>weak spots</a:t>
           </a:r>
         </a:p>
       </dgm:t>
@@ -4962,7 +4962,7 @@
         <a:p>
           <a:r>
             <a:rPr lang="en-US" dirty="0"/>
-            <a:t> </a:t>
+            <a:t> Ways to exploit those weak spots.</a:t>
           </a:r>
         </a:p>
       </dgm:t>
@@ -5299,12 +5299,8 @@
         <a:lstStyle/>
         <a:p>
           <a:r>
-            <a:rPr lang="en-US" sz="2400" dirty="0"/>
-            <a:t>FEATURES</a:t>
-          </a:r>
-          <a:r>
             <a:rPr lang="en-US" sz="2800" dirty="0"/>
-            <a:t> SET ATTACK</a:t>
+            <a:t>PROBLEM ATTACK</a:t>
           </a:r>
         </a:p>
       </dgm:t>
@@ -6240,7 +6236,7 @@
           </a:br>
           <a:r>
             <a:rPr lang="en-US" sz="1200" b="1" i="0" dirty="0"/>
-            <a:t>A feature set attack is a type of adversarial attack that aims to manipulate the features used by a machine learning model to make predictions, in order to cause the model to make incorrect predictions.</a:t>
+            <a:t>A problem attack is a type of adversarial attack that aims to manipulate the features used by a machine learning model to make predictions, in order to cause the model to make incorrect predictions.</a:t>
           </a:r>
           <a:br>
             <a:rPr lang="en-US" sz="1100" b="0" i="0" dirty="0"/>
@@ -6698,7 +6694,7 @@
 <dgm:dataModel xmlns:dgm="http://schemas.openxmlformats.org/drawingml/2006/diagram" xmlns:a="http://schemas.openxmlformats.org/drawingml/2006/main">
   <dgm:ptLst>
     <dgm:pt modelId="{18850582-1B7C-4425-8C25-8560232B8D35}" type="doc">
-      <dgm:prSet loTypeId="urn:microsoft.com/office/officeart/2005/8/layout/hierarchy1" loCatId="hierarchy" qsTypeId="urn:microsoft.com/office/officeart/2005/8/quickstyle/simple4" qsCatId="simple" csTypeId="urn:microsoft.com/office/officeart/2005/8/colors/accent1_2" csCatId="accent1"/>
+      <dgm:prSet loTypeId="urn:microsoft.com/office/officeart/2005/8/layout/hierarchy1" loCatId="hierarchy" qsTypeId="urn:microsoft.com/office/officeart/2005/8/quickstyle/simple4" qsCatId="simple" csTypeId="urn:microsoft.com/office/officeart/2005/8/colors/accent1_2" csCatId="accent1" phldr="1"/>
       <dgm:spPr/>
       <dgm:t>
         <a:bodyPr/>
@@ -6717,7 +6713,7 @@
         <a:p>
           <a:r>
             <a:rPr lang="en-US" dirty="0"/>
-            <a:t>Another approach that we employed in our research was a combination of a feature set attack and obfuscation. Similar to the feature set attack, we used </a:t>
+            <a:t>Another approach that we employed in our research was a combination of a problem attack and obfuscation. Similar to the problem attack, we used </a:t>
           </a:r>
           <a:r>
             <a:rPr lang="en-US" dirty="0" err="1"/>
@@ -6771,7 +6767,15 @@
           </a:br>
           <a:r>
             <a:rPr lang="en-US" dirty="0"/>
-            <a:t>- By combining the feature set attack with obfuscation, we aimed to further confuse the classifier and make it even harder to identify malicious applications.</a:t>
+            <a:t>- By combining </a:t>
+          </a:r>
+          <a:r>
+            <a:rPr lang="en-US"/>
+            <a:t>the problem attack </a:t>
+          </a:r>
+          <a:r>
+            <a:rPr lang="en-US" dirty="0"/>
+            <a:t>with obfuscation, we aimed to further confuse the classifier and make it even harder to identify malicious applications.</a:t>
           </a:r>
         </a:p>
       </dgm:t>
@@ -7220,7 +7224,7 @@
           </a:pPr>
           <a:r>
             <a:rPr lang="en-US" sz="2700" kern="1200" dirty="0"/>
-            <a:t>Static Analysis </a:t>
+            <a:t>Data Set – add picture </a:t>
           </a:r>
         </a:p>
       </dsp:txBody>
@@ -7330,7 +7334,7 @@
           </a:pPr>
           <a:r>
             <a:rPr lang="en-US" sz="2700" kern="1200" dirty="0"/>
-            <a:t>Data Set </a:t>
+            <a:t>Static Analysis</a:t>
           </a:r>
         </a:p>
       </dsp:txBody>
@@ -7439,8 +7443,8 @@
             <a:buNone/>
           </a:pPr>
           <a:r>
-            <a:rPr lang="en-US" sz="2700" kern="1200" dirty="0"/>
-            <a:t>weak spots</a:t>
+            <a:rPr lang="en-US" sz="2700" kern="1200"/>
+            <a:t>Types of detections</a:t>
           </a:r>
         </a:p>
       </dsp:txBody>
@@ -7550,7 +7554,7 @@
           </a:pPr>
           <a:r>
             <a:rPr lang="en-US" sz="2700" kern="1200" dirty="0"/>
-            <a:t>Ways to exploit those weak spots.</a:t>
+            <a:t>weak spots</a:t>
           </a:r>
         </a:p>
       </dsp:txBody>
@@ -7660,7 +7664,7 @@
           </a:pPr>
           <a:r>
             <a:rPr lang="en-US" sz="2700" kern="1200" dirty="0"/>
-            <a:t> </a:t>
+            <a:t> Ways to exploit those weak spots.</a:t>
           </a:r>
         </a:p>
       </dsp:txBody>
@@ -8215,12 +8219,12 @@
         <a:fontRef idx="minor"/>
       </dsp:style>
       <dsp:txBody>
-        <a:bodyPr spcFirstLastPara="0" vert="horz" wrap="square" lIns="91440" tIns="91440" rIns="91440" bIns="91440" numCol="1" spcCol="1270" anchor="t" anchorCtr="0">
+        <a:bodyPr spcFirstLastPara="0" vert="horz" wrap="square" lIns="106680" tIns="106680" rIns="106680" bIns="106680" numCol="1" spcCol="1270" anchor="t" anchorCtr="0">
           <a:noAutofit/>
         </a:bodyPr>
         <a:lstStyle/>
         <a:p>
-          <a:pPr marL="0" lvl="0" indent="0" algn="l" defTabSz="1066800">
+          <a:pPr marL="0" lvl="0" indent="0" algn="l" defTabSz="1244600">
             <a:lnSpc>
               <a:spcPct val="90000"/>
             </a:lnSpc>
@@ -8233,12 +8237,8 @@
             <a:buNone/>
           </a:pPr>
           <a:r>
-            <a:rPr lang="en-US" sz="2400" kern="1200" dirty="0"/>
-            <a:t>FEATURES</a:t>
-          </a:r>
-          <a:r>
             <a:rPr lang="en-US" sz="2800" kern="1200" dirty="0"/>
-            <a:t> SET ATTACK</a:t>
+            <a:t>PROBLEM ATTACK</a:t>
           </a:r>
         </a:p>
       </dsp:txBody>
@@ -9686,7 +9686,7 @@
           </a:br>
           <a:r>
             <a:rPr lang="en-US" sz="1200" b="1" i="0" kern="1200" dirty="0"/>
-            <a:t>A feature set attack is a type of adversarial attack that aims to manipulate the features used by a machine learning model to make predictions, in order to cause the model to make incorrect predictions.</a:t>
+            <a:t>A problem attack is a type of adversarial attack that aims to manipulate the features used by a machine learning model to make predictions, in order to cause the model to make incorrect predictions.</a:t>
           </a:r>
           <a:br>
             <a:rPr lang="en-US" sz="1100" b="0" i="0" kern="1200" dirty="0"/>
@@ -10273,7 +10273,7 @@
           </a:pPr>
           <a:r>
             <a:rPr lang="en-US" sz="1900" kern="1200" dirty="0"/>
-            <a:t>Another approach that we employed in our research was a combination of a feature set attack and obfuscation. Similar to the feature set attack, we used </a:t>
+            <a:t>Another approach that we employed in our research was a combination of a problem attack and obfuscation. Similar to the problem attack, we used </a:t>
           </a:r>
           <a:r>
             <a:rPr lang="en-US" sz="1900" kern="1200" dirty="0" err="1"/>
@@ -10443,7 +10443,15 @@
           </a:br>
           <a:r>
             <a:rPr lang="en-US" sz="1900" kern="1200" dirty="0"/>
-            <a:t>- By combining the feature set attack with obfuscation, we aimed to further confuse the classifier and make it even harder to identify malicious applications.</a:t>
+            <a:t>- By combining </a:t>
+          </a:r>
+          <a:r>
+            <a:rPr lang="en-US" sz="1900" kern="1200"/>
+            <a:t>the problem attack </a:t>
+          </a:r>
+          <a:r>
+            <a:rPr lang="en-US" sz="1900" kern="1200" dirty="0"/>
+            <a:t>with obfuscation, we aimed to further confuse the classifier and make it even harder to identify malicious applications.</a:t>
           </a:r>
         </a:p>
       </dsp:txBody>
@@ -19426,7 +19434,7 @@
           <a:p>
             <a:fld id="{463F06E8-02A5-47D3-AB27-35FF3348FBA0}" type="datetimeFigureOut">
               <a:rPr lang="he-IL" smtClean="0"/>
-              <a:t>כ"ד/טבת/תשפ"ג</a:t>
+              <a:t>כ"ו/טבת/תשפ"ג</a:t>
             </a:fld>
             <a:endParaRPr lang="he-IL"/>
           </a:p>
@@ -19626,7 +19634,7 @@
           <a:p>
             <a:fld id="{463F06E8-02A5-47D3-AB27-35FF3348FBA0}" type="datetimeFigureOut">
               <a:rPr lang="he-IL" smtClean="0"/>
-              <a:t>כ"ד/טבת/תשפ"ג</a:t>
+              <a:t>כ"ו/טבת/תשפ"ג</a:t>
             </a:fld>
             <a:endParaRPr lang="he-IL"/>
           </a:p>
@@ -19836,7 +19844,7 @@
           <a:p>
             <a:fld id="{463F06E8-02A5-47D3-AB27-35FF3348FBA0}" type="datetimeFigureOut">
               <a:rPr lang="he-IL" smtClean="0"/>
-              <a:t>כ"ד/טבת/תשפ"ג</a:t>
+              <a:t>כ"ו/טבת/תשפ"ג</a:t>
             </a:fld>
             <a:endParaRPr lang="he-IL"/>
           </a:p>
@@ -20036,7 +20044,7 @@
           <a:p>
             <a:fld id="{463F06E8-02A5-47D3-AB27-35FF3348FBA0}" type="datetimeFigureOut">
               <a:rPr lang="he-IL" smtClean="0"/>
-              <a:t>כ"ד/טבת/תשפ"ג</a:t>
+              <a:t>כ"ו/טבת/תשפ"ג</a:t>
             </a:fld>
             <a:endParaRPr lang="he-IL"/>
           </a:p>
@@ -20312,7 +20320,7 @@
           <a:p>
             <a:fld id="{463F06E8-02A5-47D3-AB27-35FF3348FBA0}" type="datetimeFigureOut">
               <a:rPr lang="he-IL" smtClean="0"/>
-              <a:t>כ"ד/טבת/תשפ"ג</a:t>
+              <a:t>כ"ו/טבת/תשפ"ג</a:t>
             </a:fld>
             <a:endParaRPr lang="he-IL"/>
           </a:p>
@@ -20580,7 +20588,7 @@
           <a:p>
             <a:fld id="{463F06E8-02A5-47D3-AB27-35FF3348FBA0}" type="datetimeFigureOut">
               <a:rPr lang="he-IL" smtClean="0"/>
-              <a:t>כ"ד/טבת/תשפ"ג</a:t>
+              <a:t>כ"ו/טבת/תשפ"ג</a:t>
             </a:fld>
             <a:endParaRPr lang="he-IL"/>
           </a:p>
@@ -20995,7 +21003,7 @@
           <a:p>
             <a:fld id="{463F06E8-02A5-47D3-AB27-35FF3348FBA0}" type="datetimeFigureOut">
               <a:rPr lang="he-IL" smtClean="0"/>
-              <a:t>כ"ד/טבת/תשפ"ג</a:t>
+              <a:t>כ"ו/טבת/תשפ"ג</a:t>
             </a:fld>
             <a:endParaRPr lang="he-IL"/>
           </a:p>
@@ -21137,7 +21145,7 @@
           <a:p>
             <a:fld id="{463F06E8-02A5-47D3-AB27-35FF3348FBA0}" type="datetimeFigureOut">
               <a:rPr lang="he-IL" smtClean="0"/>
-              <a:t>כ"ד/טבת/תשפ"ג</a:t>
+              <a:t>כ"ו/טבת/תשפ"ג</a:t>
             </a:fld>
             <a:endParaRPr lang="he-IL"/>
           </a:p>
@@ -21250,7 +21258,7 @@
           <a:p>
             <a:fld id="{463F06E8-02A5-47D3-AB27-35FF3348FBA0}" type="datetimeFigureOut">
               <a:rPr lang="he-IL" smtClean="0"/>
-              <a:t>כ"ד/טבת/תשפ"ג</a:t>
+              <a:t>כ"ו/טבת/תשפ"ג</a:t>
             </a:fld>
             <a:endParaRPr lang="he-IL"/>
           </a:p>
@@ -21563,7 +21571,7 @@
           <a:p>
             <a:fld id="{463F06E8-02A5-47D3-AB27-35FF3348FBA0}" type="datetimeFigureOut">
               <a:rPr lang="he-IL" smtClean="0"/>
-              <a:t>כ"ד/טבת/תשפ"ג</a:t>
+              <a:t>כ"ו/טבת/תשפ"ג</a:t>
             </a:fld>
             <a:endParaRPr lang="he-IL"/>
           </a:p>
@@ -21852,7 +21860,7 @@
           <a:p>
             <a:fld id="{463F06E8-02A5-47D3-AB27-35FF3348FBA0}" type="datetimeFigureOut">
               <a:rPr lang="he-IL" smtClean="0"/>
-              <a:t>כ"ד/טבת/תשפ"ג</a:t>
+              <a:t>כ"ו/טבת/תשפ"ג</a:t>
             </a:fld>
             <a:endParaRPr lang="he-IL"/>
           </a:p>
@@ -22095,7 +22103,7 @@
           <a:p>
             <a:fld id="{463F06E8-02A5-47D3-AB27-35FF3348FBA0}" type="datetimeFigureOut">
               <a:rPr lang="he-IL" smtClean="0"/>
-              <a:t>כ"ד/טבת/תשפ"ג</a:t>
+              <a:t>כ"ו/טבת/תשפ"ג</a:t>
             </a:fld>
             <a:endParaRPr lang="he-IL"/>
           </a:p>
@@ -22889,14 +22897,14 @@
           <a:lstStyle/>
           <a:p>
             <a:r>
-              <a:rPr lang="en-US" sz="5000">
+              <a:rPr lang="en-US" sz="5000" dirty="0">
                 <a:solidFill>
                   <a:srgbClr val="FFFFFF"/>
                 </a:solidFill>
               </a:rPr>
-              <a:t>FEATURES SET ATTACK + OBFUSCATION </a:t>
+              <a:t>PROBLEM ATTACK + OBFUSCATION </a:t>
             </a:r>
-            <a:endParaRPr lang="he-IL" sz="5000">
+            <a:endParaRPr lang="he-IL" sz="5000" dirty="0">
               <a:solidFill>
                 <a:srgbClr val="FFFFFF"/>
               </a:solidFill>
@@ -23492,7 +23500,7 @@
             <p:ph idx="1"/>
             <p:extLst>
               <p:ext uri="{D42A27DB-BD31-4B8C-83A1-F6EECF244321}">
-                <p14:modId xmlns:p14="http://schemas.microsoft.com/office/powerpoint/2010/main" val="1892145727"/>
+                <p14:modId xmlns:p14="http://schemas.microsoft.com/office/powerpoint/2010/main" val="367242965"/>
               </p:ext>
             </p:extLst>
           </p:nvPr>
@@ -26115,7 +26123,7 @@
             <p:ph idx="1"/>
             <p:extLst>
               <p:ext uri="{D42A27DB-BD31-4B8C-83A1-F6EECF244321}">
-                <p14:modId xmlns:p14="http://schemas.microsoft.com/office/powerpoint/2010/main" val="1560215833"/>
+                <p14:modId xmlns:p14="http://schemas.microsoft.com/office/powerpoint/2010/main" val="2757017340"/>
               </p:ext>
             </p:extLst>
           </p:nvPr>
@@ -26424,7 +26432,7 @@
             <p:ph idx="1"/>
             <p:extLst>
               <p:ext uri="{D42A27DB-BD31-4B8C-83A1-F6EECF244321}">
-                <p14:modId xmlns:p14="http://schemas.microsoft.com/office/powerpoint/2010/main" val="75048016"/>
+                <p14:modId xmlns:p14="http://schemas.microsoft.com/office/powerpoint/2010/main" val="989006242"/>
               </p:ext>
             </p:extLst>
           </p:nvPr>
@@ -27923,7 +27931,7 @@
           <a:p>
             <a:r>
               <a:rPr lang="en-US" dirty="0"/>
-              <a:t>FEATURES SET ATTACK</a:t>
+              <a:t>PROBLEM ATTACK</a:t>
             </a:r>
             <a:endParaRPr lang="he-IL" dirty="0"/>
           </a:p>
@@ -27945,7 +27953,7 @@
             <p:ph idx="1"/>
             <p:extLst>
               <p:ext uri="{D42A27DB-BD31-4B8C-83A1-F6EECF244321}">
-                <p14:modId xmlns:p14="http://schemas.microsoft.com/office/powerpoint/2010/main" val="2399706578"/>
+                <p14:modId xmlns:p14="http://schemas.microsoft.com/office/powerpoint/2010/main" val="678322854"/>
               </p:ext>
             </p:extLst>
           </p:nvPr>
@@ -28666,41 +28674,6 @@
           </a:prstGeom>
         </p:spPr>
       </p:pic>
-      <p:sp>
-        <p:nvSpPr>
-          <p:cNvPr id="7" name="TextBox 6">
-            <a:extLst>
-              <a:ext uri="{FF2B5EF4-FFF2-40B4-BE49-F238E27FC236}">
-                <a16:creationId xmlns:a16="http://schemas.microsoft.com/office/drawing/2014/main" id="{63E3B57B-D5FD-DF92-56AF-FC38AE9B680C}"/>
-              </a:ext>
-            </a:extLst>
-          </p:cNvPr>
-          <p:cNvSpPr txBox="1"/>
-          <p:nvPr/>
-        </p:nvSpPr>
-        <p:spPr>
-          <a:xfrm>
-            <a:off x="6459430" y="2602468"/>
-            <a:ext cx="1727038" cy="369332"/>
-          </a:xfrm>
-          <a:prstGeom prst="rect">
-            <a:avLst/>
-          </a:prstGeom>
-          <a:noFill/>
-        </p:spPr>
-        <p:txBody>
-          <a:bodyPr wrap="square" rtlCol="0">
-            <a:spAutoFit/>
-          </a:bodyPr>
-          <a:lstStyle/>
-          <a:p>
-            <a:r>
-              <a:rPr lang="en-US" dirty="0"/>
-              <a:t>AddFeatures.py</a:t>
-            </a:r>
-          </a:p>
-        </p:txBody>
-      </p:sp>
     </p:spTree>
     <p:extLst>
       <p:ext uri="{BB962C8B-B14F-4D97-AF65-F5344CB8AC3E}">
